--- a/workshop_event/Pen-Testing Cloud REST APIs - 2025.pptx
+++ b/workshop_event/Pen-Testing Cloud REST APIs - 2025.pptx
@@ -5,7 +5,7 @@
     <p:sldMasterId id="2147483648" r:id="rId1"/>
   </p:sldMasterIdLst>
   <p:notesMasterIdLst>
-    <p:notesMasterId r:id="rId33"/>
+    <p:notesMasterId r:id="rId30"/>
   </p:notesMasterIdLst>
   <p:sldIdLst>
     <p:sldId id="256" r:id="rId2"/>
@@ -30,15 +30,12 @@
     <p:sldId id="325" r:id="rId21"/>
     <p:sldId id="285" r:id="rId22"/>
     <p:sldId id="326" r:id="rId23"/>
-    <p:sldId id="294" r:id="rId24"/>
-    <p:sldId id="289" r:id="rId25"/>
-    <p:sldId id="291" r:id="rId26"/>
-    <p:sldId id="304" r:id="rId27"/>
-    <p:sldId id="323" r:id="rId28"/>
-    <p:sldId id="296" r:id="rId29"/>
-    <p:sldId id="327" r:id="rId30"/>
-    <p:sldId id="340" r:id="rId31"/>
-    <p:sldId id="306" r:id="rId32"/>
+    <p:sldId id="291" r:id="rId24"/>
+    <p:sldId id="323" r:id="rId25"/>
+    <p:sldId id="296" r:id="rId26"/>
+    <p:sldId id="327" r:id="rId27"/>
+    <p:sldId id="340" r:id="rId28"/>
+    <p:sldId id="306" r:id="rId29"/>
   </p:sldIdLst>
   <p:sldSz cx="12192000" cy="6858000"/>
   <p:notesSz cx="6858000" cy="9144000"/>
@@ -227,7 +224,7 @@
           <a:p>
             <a:fld id="{B2537219-CD8D-4BE3-A4DF-4D632A31A097}" type="datetimeFigureOut">
               <a:rPr lang="en-US" smtClean="0"/>
-              <a:t>6/27/2025</a:t>
+              <a:t>6/28/2025</a:t>
             </a:fld>
             <a:endParaRPr lang="en-US"/>
           </a:p>
@@ -739,7 +736,7 @@
           <a:p>
             <a:fld id="{C2270EAA-1E86-45EE-8317-11D72D8937B4}" type="datetimeFigureOut">
               <a:rPr lang="en-US" smtClean="0"/>
-              <a:t>6/27/2025</a:t>
+              <a:t>6/28/2025</a:t>
             </a:fld>
             <a:endParaRPr lang="en-US"/>
           </a:p>
@@ -937,7 +934,7 @@
           <a:p>
             <a:fld id="{C2270EAA-1E86-45EE-8317-11D72D8937B4}" type="datetimeFigureOut">
               <a:rPr lang="en-US" smtClean="0"/>
-              <a:t>6/27/2025</a:t>
+              <a:t>6/28/2025</a:t>
             </a:fld>
             <a:endParaRPr lang="en-US"/>
           </a:p>
@@ -1145,7 +1142,7 @@
           <a:p>
             <a:fld id="{C2270EAA-1E86-45EE-8317-11D72D8937B4}" type="datetimeFigureOut">
               <a:rPr lang="en-US" smtClean="0"/>
-              <a:t>6/27/2025</a:t>
+              <a:t>6/28/2025</a:t>
             </a:fld>
             <a:endParaRPr lang="en-US"/>
           </a:p>
@@ -1495,7 +1492,7 @@
           <a:p>
             <a:fld id="{C2270EAA-1E86-45EE-8317-11D72D8937B4}" type="datetimeFigureOut">
               <a:rPr lang="en-US" smtClean="0"/>
-              <a:t>6/27/2025</a:t>
+              <a:t>6/28/2025</a:t>
             </a:fld>
             <a:endParaRPr lang="en-US"/>
           </a:p>
@@ -1770,7 +1767,7 @@
           <a:p>
             <a:fld id="{C2270EAA-1E86-45EE-8317-11D72D8937B4}" type="datetimeFigureOut">
               <a:rPr lang="en-US" smtClean="0"/>
-              <a:t>6/27/2025</a:t>
+              <a:t>6/28/2025</a:t>
             </a:fld>
             <a:endParaRPr lang="en-US"/>
           </a:p>
@@ -2035,7 +2032,7 @@
           <a:p>
             <a:fld id="{C2270EAA-1E86-45EE-8317-11D72D8937B4}" type="datetimeFigureOut">
               <a:rPr lang="en-US" smtClean="0"/>
-              <a:t>6/27/2025</a:t>
+              <a:t>6/28/2025</a:t>
             </a:fld>
             <a:endParaRPr lang="en-US"/>
           </a:p>
@@ -2447,7 +2444,7 @@
           <a:p>
             <a:fld id="{C2270EAA-1E86-45EE-8317-11D72D8937B4}" type="datetimeFigureOut">
               <a:rPr lang="en-US" smtClean="0"/>
-              <a:t>6/27/2025</a:t>
+              <a:t>6/28/2025</a:t>
             </a:fld>
             <a:endParaRPr lang="en-US"/>
           </a:p>
@@ -2588,7 +2585,7 @@
           <a:p>
             <a:fld id="{C2270EAA-1E86-45EE-8317-11D72D8937B4}" type="datetimeFigureOut">
               <a:rPr lang="en-US" smtClean="0"/>
-              <a:t>6/27/2025</a:t>
+              <a:t>6/28/2025</a:t>
             </a:fld>
             <a:endParaRPr lang="en-US"/>
           </a:p>
@@ -2701,7 +2698,7 @@
           <a:p>
             <a:fld id="{C2270EAA-1E86-45EE-8317-11D72D8937B4}" type="datetimeFigureOut">
               <a:rPr lang="en-US" smtClean="0"/>
-              <a:t>6/27/2025</a:t>
+              <a:t>6/28/2025</a:t>
             </a:fld>
             <a:endParaRPr lang="en-US"/>
           </a:p>
@@ -3012,7 +3009,7 @@
           <a:p>
             <a:fld id="{C2270EAA-1E86-45EE-8317-11D72D8937B4}" type="datetimeFigureOut">
               <a:rPr lang="en-US" smtClean="0"/>
-              <a:t>6/27/2025</a:t>
+              <a:t>6/28/2025</a:t>
             </a:fld>
             <a:endParaRPr lang="en-US"/>
           </a:p>
@@ -3300,7 +3297,7 @@
           <a:p>
             <a:fld id="{C2270EAA-1E86-45EE-8317-11D72D8937B4}" type="datetimeFigureOut">
               <a:rPr lang="en-US" smtClean="0"/>
-              <a:t>6/27/2025</a:t>
+              <a:t>6/28/2025</a:t>
             </a:fld>
             <a:endParaRPr lang="en-US"/>
           </a:p>
@@ -3541,7 +3538,7 @@
           <a:p>
             <a:fld id="{C2270EAA-1E86-45EE-8317-11D72D8937B4}" type="datetimeFigureOut">
               <a:rPr lang="en-US" smtClean="0"/>
-              <a:t>6/27/2025</a:t>
+              <a:t>6/28/2025</a:t>
             </a:fld>
             <a:endParaRPr lang="en-US"/>
           </a:p>
@@ -4130,21 +4127,8 @@
             <a:pPr lvl="1"/>
             <a:r>
               <a:rPr lang="en-US" sz="4000" dirty="0"/>
-              <a:t>CAZT-</a:t>
-            </a:r>
-            <a:r>
-              <a:rPr lang="en-US" sz="4000" dirty="0" err="1"/>
-              <a:t>gcloud_lab</a:t>
-            </a:r>
-            <a:r>
-              <a:rPr lang="en-US" sz="4000" dirty="0"/>
-              <a:t>-command-</a:t>
-            </a:r>
-            <a:r>
-              <a:rPr lang="en-US" sz="4000" dirty="0" err="1"/>
-              <a:t>line_linux</a:t>
-            </a:r>
-            <a:endParaRPr lang="en-US" sz="4000" dirty="0"/>
+              <a:t>CAZT-gcloud_lab-command-line_linux.md</a:t>
+            </a:r>
           </a:p>
         </p:txBody>
       </p:sp>
@@ -6519,535 +6503,6 @@
           <a:chExt cx="0" cy="0"/>
         </a:xfrm>
       </p:grpSpPr>
-      <p:sp>
-        <p:nvSpPr>
-          <p:cNvPr id="2" name="Title 1">
-            <a:extLst>
-              <a:ext uri="{FF2B5EF4-FFF2-40B4-BE49-F238E27FC236}">
-                <a16:creationId xmlns:a16="http://schemas.microsoft.com/office/drawing/2014/main" id="{CC8A94A0-77B2-DE7B-299E-BAE0F203B0B5}"/>
-              </a:ext>
-            </a:extLst>
-          </p:cNvPr>
-          <p:cNvSpPr>
-            <a:spLocks noGrp="1"/>
-          </p:cNvSpPr>
-          <p:nvPr>
-            <p:ph type="title"/>
-          </p:nvPr>
-        </p:nvSpPr>
-        <p:spPr/>
-        <p:txBody>
-          <a:bodyPr/>
-          <a:lstStyle/>
-          <a:p>
-            <a:r>
-              <a:rPr lang="en-US" dirty="0"/>
-              <a:t>What is a Custom Salesforce App?</a:t>
-            </a:r>
-          </a:p>
-        </p:txBody>
-      </p:sp>
-      <p:sp>
-        <p:nvSpPr>
-          <p:cNvPr id="3" name="Content Placeholder 2">
-            <a:extLst>
-              <a:ext uri="{FF2B5EF4-FFF2-40B4-BE49-F238E27FC236}">
-                <a16:creationId xmlns:a16="http://schemas.microsoft.com/office/drawing/2014/main" id="{00F7B5DE-F06D-C838-45EB-1319685033D5}"/>
-              </a:ext>
-            </a:extLst>
-          </p:cNvPr>
-          <p:cNvSpPr>
-            <a:spLocks noGrp="1"/>
-          </p:cNvSpPr>
-          <p:nvPr>
-            <p:ph idx="1"/>
-          </p:nvPr>
-        </p:nvSpPr>
-        <p:spPr/>
-        <p:txBody>
-          <a:bodyPr>
-            <a:normAutofit lnSpcReduction="10000"/>
-          </a:bodyPr>
-          <a:lstStyle/>
-          <a:p>
-            <a:r>
-              <a:rPr lang="en-US" dirty="0"/>
-              <a:t>Salesforce.com</a:t>
-            </a:r>
-          </a:p>
-          <a:p>
-            <a:pPr lvl="1"/>
-            <a:r>
-              <a:rPr lang="en-US" b="0" i="0" dirty="0">
-                <a:solidFill>
-                  <a:srgbClr val="181818"/>
-                </a:solidFill>
-                <a:effectLst/>
-                <a:highlight>
-                  <a:srgbClr val="FFFFFF"/>
-                </a:highlight>
-                <a:latin typeface="Salesforce Sans"/>
-              </a:rPr>
-              <a:t>“Salesforce is cloud-based CRM software” (salesforce.com)</a:t>
-            </a:r>
-          </a:p>
-          <a:p>
-            <a:r>
-              <a:rPr lang="en-US" dirty="0">
-                <a:solidFill>
-                  <a:srgbClr val="181818"/>
-                </a:solidFill>
-                <a:highlight>
-                  <a:srgbClr val="FFFFFF"/>
-                </a:highlight>
-                <a:latin typeface="Salesforce Sans"/>
-              </a:rPr>
-              <a:t>“Build Your Own Salesforce App” (salesforce.com)</a:t>
-            </a:r>
-          </a:p>
-          <a:p>
-            <a:pPr lvl="1"/>
-            <a:r>
-              <a:rPr lang="en-US" dirty="0">
-                <a:solidFill>
-                  <a:srgbClr val="080707"/>
-                </a:solidFill>
-                <a:highlight>
-                  <a:srgbClr val="FFFFFF"/>
-                </a:highlight>
-                <a:latin typeface="Salesforce Sans"/>
-              </a:rPr>
-              <a:t>Classic apps</a:t>
-            </a:r>
-          </a:p>
-          <a:p>
-            <a:pPr lvl="2"/>
-            <a:r>
-              <a:rPr lang="en-US" dirty="0">
-                <a:solidFill>
-                  <a:srgbClr val="080707"/>
-                </a:solidFill>
-                <a:highlight>
-                  <a:srgbClr val="FFFFFF"/>
-                </a:highlight>
-                <a:latin typeface="Salesforce Sans"/>
-              </a:rPr>
-              <a:t>Tabs, objects, feeds</a:t>
-            </a:r>
-          </a:p>
-          <a:p>
-            <a:pPr lvl="1"/>
-            <a:r>
-              <a:rPr lang="en-US" dirty="0">
-                <a:solidFill>
-                  <a:srgbClr val="080707"/>
-                </a:solidFill>
-                <a:highlight>
-                  <a:srgbClr val="FFFFFF"/>
-                </a:highlight>
-                <a:latin typeface="Salesforce Sans"/>
-              </a:rPr>
-              <a:t>Lightning apps</a:t>
-            </a:r>
-          </a:p>
-          <a:p>
-            <a:pPr lvl="2"/>
-            <a:r>
-              <a:rPr lang="en-US" dirty="0">
-                <a:solidFill>
-                  <a:srgbClr val="080707"/>
-                </a:solidFill>
-                <a:highlight>
-                  <a:srgbClr val="FFFFFF"/>
-                </a:highlight>
-                <a:latin typeface="Salesforce Sans"/>
-              </a:rPr>
-              <a:t>Look and feel customization</a:t>
-            </a:r>
-          </a:p>
-          <a:p>
-            <a:r>
-              <a:rPr lang="en-US" dirty="0">
-                <a:solidFill>
-                  <a:srgbClr val="080707"/>
-                </a:solidFill>
-                <a:highlight>
-                  <a:srgbClr val="FFFFFF"/>
-                </a:highlight>
-                <a:latin typeface="Salesforce Sans"/>
-              </a:rPr>
-              <a:t>Languages</a:t>
-            </a:r>
-          </a:p>
-          <a:p>
-            <a:pPr lvl="1"/>
-            <a:r>
-              <a:rPr lang="en-US" dirty="0">
-                <a:solidFill>
-                  <a:srgbClr val="080707"/>
-                </a:solidFill>
-                <a:highlight>
-                  <a:srgbClr val="FFFFFF"/>
-                </a:highlight>
-                <a:latin typeface="Salesforce Sans"/>
-              </a:rPr>
-              <a:t>Apex (Java-like)</a:t>
-            </a:r>
-          </a:p>
-          <a:p>
-            <a:pPr lvl="1"/>
-            <a:r>
-              <a:rPr lang="en-US" dirty="0">
-                <a:solidFill>
-                  <a:srgbClr val="080707"/>
-                </a:solidFill>
-                <a:highlight>
-                  <a:srgbClr val="FFFFFF"/>
-                </a:highlight>
-                <a:latin typeface="Salesforce Sans"/>
-              </a:rPr>
-              <a:t>Visualforce</a:t>
-            </a:r>
-          </a:p>
-          <a:p>
-            <a:pPr lvl="1"/>
-            <a:r>
-              <a:rPr lang="en-US" dirty="0">
-                <a:solidFill>
-                  <a:srgbClr val="080707"/>
-                </a:solidFill>
-                <a:highlight>
-                  <a:srgbClr val="FFFFFF"/>
-                </a:highlight>
-                <a:latin typeface="Salesforce Sans"/>
-              </a:rPr>
-              <a:t>JavaScript</a:t>
-            </a:r>
-          </a:p>
-          <a:p>
-            <a:pPr lvl="2"/>
-            <a:endParaRPr lang="en-US" dirty="0"/>
-          </a:p>
-        </p:txBody>
-      </p:sp>
-    </p:spTree>
-    <p:extLst>
-      <p:ext uri="{BB962C8B-B14F-4D97-AF65-F5344CB8AC3E}">
-        <p14:creationId xmlns:p14="http://schemas.microsoft.com/office/powerpoint/2010/main" val="314213308"/>
-      </p:ext>
-    </p:extLst>
-  </p:cSld>
-  <p:clrMapOvr>
-    <a:masterClrMapping/>
-  </p:clrMapOvr>
-</p:sld>
-</file>
-
-<file path=ppt/slides/slide24.xml><?xml version="1.0" encoding="utf-8"?>
-<p:sld xmlns:a="http://schemas.openxmlformats.org/drawingml/2006/main" xmlns:r="http://schemas.openxmlformats.org/officeDocument/2006/relationships" xmlns:p="http://schemas.openxmlformats.org/presentationml/2006/main">
-  <p:cSld>
-    <p:spTree>
-      <p:nvGrpSpPr>
-        <p:cNvPr id="1" name=""/>
-        <p:cNvGrpSpPr/>
-        <p:nvPr/>
-      </p:nvGrpSpPr>
-      <p:grpSpPr>
-        <a:xfrm>
-          <a:off x="0" y="0"/>
-          <a:ext cx="0" cy="0"/>
-          <a:chOff x="0" y="0"/>
-          <a:chExt cx="0" cy="0"/>
-        </a:xfrm>
-      </p:grpSpPr>
-      <p:sp>
-        <p:nvSpPr>
-          <p:cNvPr id="2" name="Title 1">
-            <a:extLst>
-              <a:ext uri="{FF2B5EF4-FFF2-40B4-BE49-F238E27FC236}">
-                <a16:creationId xmlns:a16="http://schemas.microsoft.com/office/drawing/2014/main" id="{90507359-30B3-3856-7617-AA6A200529D5}"/>
-              </a:ext>
-            </a:extLst>
-          </p:cNvPr>
-          <p:cNvSpPr>
-            <a:spLocks noGrp="1"/>
-          </p:cNvSpPr>
-          <p:nvPr>
-            <p:ph type="title"/>
-          </p:nvPr>
-        </p:nvSpPr>
-        <p:spPr/>
-        <p:txBody>
-          <a:bodyPr/>
-          <a:lstStyle/>
-          <a:p>
-            <a:r>
-              <a:rPr lang="en-US" dirty="0"/>
-              <a:t>Why Test Custom Salesforce Apps?</a:t>
-            </a:r>
-          </a:p>
-        </p:txBody>
-      </p:sp>
-      <p:sp>
-        <p:nvSpPr>
-          <p:cNvPr id="3" name="Content Placeholder 2">
-            <a:extLst>
-              <a:ext uri="{FF2B5EF4-FFF2-40B4-BE49-F238E27FC236}">
-                <a16:creationId xmlns:a16="http://schemas.microsoft.com/office/drawing/2014/main" id="{67DA68C8-B829-903E-52F7-56E453121B94}"/>
-              </a:ext>
-            </a:extLst>
-          </p:cNvPr>
-          <p:cNvSpPr>
-            <a:spLocks noGrp="1"/>
-          </p:cNvSpPr>
-          <p:nvPr>
-            <p:ph idx="1"/>
-          </p:nvPr>
-        </p:nvSpPr>
-        <p:spPr>
-          <a:xfrm>
-            <a:off x="8598681" y="5761933"/>
-            <a:ext cx="3593319" cy="1085317"/>
-          </a:xfrm>
-        </p:spPr>
-        <p:txBody>
-          <a:bodyPr>
-            <a:normAutofit fontScale="92500" lnSpcReduction="20000"/>
-          </a:bodyPr>
-          <a:lstStyle/>
-          <a:p>
-            <a:r>
-              <a:rPr lang="en-US" sz="600" dirty="0">
-                <a:hlinkClick r:id="rId2"/>
-              </a:rPr>
-              <a:t>https://krebsonsecurity.com/2024/02/juniper-support-portal-exposed-customer-device-info/</a:t>
-            </a:r>
-            <a:endParaRPr lang="en-US" sz="600" dirty="0"/>
-          </a:p>
-          <a:p>
-            <a:r>
-              <a:rPr lang="en-US" sz="600" dirty="0">
-                <a:hlinkClick r:id="rId3"/>
-              </a:rPr>
-              <a:t>https://www.scmagazine.com/news/salesforce-community-cloud-data-leaks-misconfigurations</a:t>
-            </a:r>
-            <a:endParaRPr lang="en-US" sz="600" dirty="0"/>
-          </a:p>
-          <a:p>
-            <a:r>
-              <a:rPr lang="en-US" sz="600" dirty="0">
-                <a:hlinkClick r:id="rId4"/>
-              </a:rPr>
-              <a:t>https://krebsonsecurity.com/2023/04/many-public-salesforce-sites-are-leaking-private-data/</a:t>
-            </a:r>
-            <a:endParaRPr lang="en-US" sz="600" dirty="0"/>
-          </a:p>
-          <a:p>
-            <a:r>
-              <a:rPr lang="en-US" sz="600" dirty="0">
-                <a:hlinkClick r:id="rId5"/>
-              </a:rPr>
-              <a:t>https://www.bankinfosecurity.com/salesforce-security-alert-api-error-exposed-marketing-data-a-11278</a:t>
-            </a:r>
-            <a:endParaRPr lang="en-US" sz="600" dirty="0"/>
-          </a:p>
-          <a:p>
-            <a:r>
-              <a:rPr lang="en-US" sz="600" dirty="0">
-                <a:hlinkClick r:id="rId6"/>
-              </a:rPr>
-              <a:t>https://www.darkreading.com/application-security/misconfigured-salesforce-communities-place-orgs-at-risk-of-data-theft-adversary-recon</a:t>
-            </a:r>
-            <a:endParaRPr lang="en-US" sz="600" dirty="0"/>
-          </a:p>
-          <a:p>
-            <a:pPr marL="0" indent="0">
-              <a:buNone/>
-            </a:pPr>
-            <a:endParaRPr lang="en-US" sz="600" dirty="0"/>
-          </a:p>
-        </p:txBody>
-      </p:sp>
-      <p:pic>
-        <p:nvPicPr>
-          <p:cNvPr id="5" name="Picture 4">
-            <a:extLst>
-              <a:ext uri="{FF2B5EF4-FFF2-40B4-BE49-F238E27FC236}">
-                <a16:creationId xmlns:a16="http://schemas.microsoft.com/office/drawing/2014/main" id="{2CF10289-7163-DD9B-4DD5-9F047CFB21A1}"/>
-              </a:ext>
-            </a:extLst>
-          </p:cNvPr>
-          <p:cNvPicPr>
-            <a:picLocks noChangeAspect="1"/>
-          </p:cNvPicPr>
-          <p:nvPr/>
-        </p:nvPicPr>
-        <p:blipFill>
-          <a:blip r:embed="rId7"/>
-          <a:stretch>
-            <a:fillRect/>
-          </a:stretch>
-        </p:blipFill>
-        <p:spPr>
-          <a:xfrm>
-            <a:off x="503493" y="1647817"/>
-            <a:ext cx="3602115" cy="2271021"/>
-          </a:xfrm>
-          <a:prstGeom prst="rect">
-            <a:avLst/>
-          </a:prstGeom>
-        </p:spPr>
-      </p:pic>
-      <p:pic>
-        <p:nvPicPr>
-          <p:cNvPr id="7" name="Picture 6">
-            <a:extLst>
-              <a:ext uri="{FF2B5EF4-FFF2-40B4-BE49-F238E27FC236}">
-                <a16:creationId xmlns:a16="http://schemas.microsoft.com/office/drawing/2014/main" id="{FA84C39B-9774-81BB-0BC9-A63116732598}"/>
-              </a:ext>
-            </a:extLst>
-          </p:cNvPr>
-          <p:cNvPicPr>
-            <a:picLocks noChangeAspect="1"/>
-          </p:cNvPicPr>
-          <p:nvPr/>
-        </p:nvPicPr>
-        <p:blipFill>
-          <a:blip r:embed="rId8"/>
-          <a:stretch>
-            <a:fillRect/>
-          </a:stretch>
-        </p:blipFill>
-        <p:spPr>
-          <a:xfrm>
-            <a:off x="7569469" y="1596357"/>
-            <a:ext cx="3593320" cy="3357465"/>
-          </a:xfrm>
-          <a:prstGeom prst="rect">
-            <a:avLst/>
-          </a:prstGeom>
-        </p:spPr>
-      </p:pic>
-      <p:pic>
-        <p:nvPicPr>
-          <p:cNvPr id="9" name="Picture 8">
-            <a:extLst>
-              <a:ext uri="{FF2B5EF4-FFF2-40B4-BE49-F238E27FC236}">
-                <a16:creationId xmlns:a16="http://schemas.microsoft.com/office/drawing/2014/main" id="{791CE8AA-9E00-83ED-B164-5F69D681007D}"/>
-              </a:ext>
-            </a:extLst>
-          </p:cNvPr>
-          <p:cNvPicPr>
-            <a:picLocks noChangeAspect="1"/>
-          </p:cNvPicPr>
-          <p:nvPr/>
-        </p:nvPicPr>
-        <p:blipFill>
-          <a:blip r:embed="rId9"/>
-          <a:stretch>
-            <a:fillRect/>
-          </a:stretch>
-        </p:blipFill>
-        <p:spPr>
-          <a:xfrm>
-            <a:off x="4220451" y="3373121"/>
-            <a:ext cx="3629157" cy="2388812"/>
-          </a:xfrm>
-          <a:prstGeom prst="rect">
-            <a:avLst/>
-          </a:prstGeom>
-        </p:spPr>
-      </p:pic>
-      <p:pic>
-        <p:nvPicPr>
-          <p:cNvPr id="6" name="Picture 5">
-            <a:extLst>
-              <a:ext uri="{FF2B5EF4-FFF2-40B4-BE49-F238E27FC236}">
-                <a16:creationId xmlns:a16="http://schemas.microsoft.com/office/drawing/2014/main" id="{7946BA19-B53E-C7B1-794B-704B04252A0E}"/>
-              </a:ext>
-            </a:extLst>
-          </p:cNvPr>
-          <p:cNvPicPr>
-            <a:picLocks noChangeAspect="1"/>
-          </p:cNvPicPr>
-          <p:nvPr/>
-        </p:nvPicPr>
-        <p:blipFill>
-          <a:blip r:embed="rId10"/>
-          <a:stretch>
-            <a:fillRect/>
-          </a:stretch>
-        </p:blipFill>
-        <p:spPr>
-          <a:xfrm>
-            <a:off x="701064" y="3918838"/>
-            <a:ext cx="2892256" cy="2480461"/>
-          </a:xfrm>
-          <a:prstGeom prst="rect">
-            <a:avLst/>
-          </a:prstGeom>
-        </p:spPr>
-      </p:pic>
-      <p:pic>
-        <p:nvPicPr>
-          <p:cNvPr id="10" name="Picture 9">
-            <a:extLst>
-              <a:ext uri="{FF2B5EF4-FFF2-40B4-BE49-F238E27FC236}">
-                <a16:creationId xmlns:a16="http://schemas.microsoft.com/office/drawing/2014/main" id="{B5A4245E-E1A6-2052-6255-30C09988DE3D}"/>
-              </a:ext>
-            </a:extLst>
-          </p:cNvPr>
-          <p:cNvPicPr>
-            <a:picLocks noChangeAspect="1"/>
-          </p:cNvPicPr>
-          <p:nvPr/>
-        </p:nvPicPr>
-        <p:blipFill>
-          <a:blip r:embed="rId11"/>
-          <a:stretch>
-            <a:fillRect/>
-          </a:stretch>
-        </p:blipFill>
-        <p:spPr>
-          <a:xfrm>
-            <a:off x="4112826" y="1481399"/>
-            <a:ext cx="3449425" cy="1517317"/>
-          </a:xfrm>
-          <a:prstGeom prst="rect">
-            <a:avLst/>
-          </a:prstGeom>
-        </p:spPr>
-      </p:pic>
-    </p:spTree>
-    <p:extLst>
-      <p:ext uri="{BB962C8B-B14F-4D97-AF65-F5344CB8AC3E}">
-        <p14:creationId xmlns:p14="http://schemas.microsoft.com/office/powerpoint/2010/main" val="1763366152"/>
-      </p:ext>
-    </p:extLst>
-  </p:cSld>
-  <p:clrMapOvr>
-    <a:masterClrMapping/>
-  </p:clrMapOvr>
-</p:sld>
-</file>
-
-<file path=ppt/slides/slide25.xml><?xml version="1.0" encoding="utf-8"?>
-<p:sld xmlns:a="http://schemas.openxmlformats.org/drawingml/2006/main" xmlns:r="http://schemas.openxmlformats.org/officeDocument/2006/relationships" xmlns:p="http://schemas.openxmlformats.org/presentationml/2006/main">
-  <p:cSld>
-    <p:spTree>
-      <p:nvGrpSpPr>
-        <p:cNvPr id="1" name=""/>
-        <p:cNvGrpSpPr/>
-        <p:nvPr/>
-      </p:nvGrpSpPr>
-      <p:grpSpPr>
-        <a:xfrm>
-          <a:off x="0" y="0"/>
-          <a:ext cx="0" cy="0"/>
-          <a:chOff x="0" y="0"/>
-          <a:chExt cx="0" cy="0"/>
-        </a:xfrm>
-      </p:grpSpPr>
       <p:pic>
         <p:nvPicPr>
           <p:cNvPr id="5" name="Picture 4">
@@ -7091,7 +6546,7 @@
 </p:sld>
 </file>
 
-<file path=ppt/slides/slide26.xml><?xml version="1.0" encoding="utf-8"?>
+<file path=ppt/slides/slide24.xml><?xml version="1.0" encoding="utf-8"?>
 <p:sld xmlns:a="http://schemas.openxmlformats.org/drawingml/2006/main" xmlns:r="http://schemas.openxmlformats.org/officeDocument/2006/relationships" xmlns:p="http://schemas.openxmlformats.org/presentationml/2006/main">
   <p:cSld>
     <p:spTree>
@@ -7110,167 +6565,116 @@
       </p:grpSpPr>
       <p:sp>
         <p:nvSpPr>
-          <p:cNvPr id="2" name="Title 1">
-            <a:extLst>
-              <a:ext uri="{FF2B5EF4-FFF2-40B4-BE49-F238E27FC236}">
-                <a16:creationId xmlns:a16="http://schemas.microsoft.com/office/drawing/2014/main" id="{21C79B63-B1A9-BC91-8E8C-4884DA6358F2}"/>
-              </a:ext>
-            </a:extLst>
-          </p:cNvPr>
-          <p:cNvSpPr>
-            <a:spLocks noGrp="1"/>
-          </p:cNvSpPr>
-          <p:nvPr>
-            <p:ph type="title"/>
-          </p:nvPr>
-        </p:nvSpPr>
-        <p:spPr/>
-        <p:txBody>
-          <a:bodyPr/>
-          <a:lstStyle/>
-          <a:p>
-            <a:r>
-              <a:rPr lang="en-US" dirty="0"/>
-              <a:t>Lightning (LWC) vs Apex</a:t>
-            </a:r>
-          </a:p>
-        </p:txBody>
-      </p:sp>
-      <p:sp>
-        <p:nvSpPr>
-          <p:cNvPr id="3" name="Content Placeholder 2">
-            <a:extLst>
-              <a:ext uri="{FF2B5EF4-FFF2-40B4-BE49-F238E27FC236}">
-                <a16:creationId xmlns:a16="http://schemas.microsoft.com/office/drawing/2014/main" id="{DB2402F1-EADD-5C1C-DBA4-908BA58D3DD8}"/>
-              </a:ext>
-            </a:extLst>
-          </p:cNvPr>
-          <p:cNvSpPr>
-            <a:spLocks noGrp="1"/>
-          </p:cNvSpPr>
-          <p:nvPr>
-            <p:ph idx="1"/>
-          </p:nvPr>
-        </p:nvSpPr>
-        <p:spPr/>
-        <p:txBody>
-          <a:bodyPr/>
-          <a:lstStyle/>
-          <a:p>
-            <a:r>
-              <a:rPr lang="en-US" dirty="0" err="1"/>
-              <a:t>VisualForce</a:t>
-            </a:r>
-            <a:r>
-              <a:rPr lang="en-US" dirty="0"/>
-              <a:t> = page frontend markup</a:t>
-            </a:r>
-          </a:p>
-          <a:p>
-            <a:r>
-              <a:rPr lang="en-US" dirty="0"/>
-              <a:t>Apex = backend controller</a:t>
-            </a:r>
-          </a:p>
-          <a:p>
-            <a:r>
-              <a:rPr lang="en-US" dirty="0"/>
-              <a:t>Lightning = more modern page framework</a:t>
-            </a:r>
-          </a:p>
-          <a:p>
-            <a:pPr lvl="1"/>
-            <a:r>
-              <a:rPr lang="en-US" dirty="0"/>
-              <a:t>Replaces Salesforce Classic UI</a:t>
-            </a:r>
-          </a:p>
-          <a:p>
-            <a:pPr lvl="1"/>
-            <a:r>
-              <a:rPr lang="en-US" dirty="0"/>
-              <a:t>More AJAX or client-side heavy</a:t>
-            </a:r>
-          </a:p>
-          <a:p>
-            <a:pPr lvl="1"/>
-            <a:r>
-              <a:rPr lang="en-US" dirty="0"/>
-              <a:t>Still uses Apex (and optionally) </a:t>
-            </a:r>
-            <a:r>
-              <a:rPr lang="en-US" dirty="0" err="1"/>
-              <a:t>VisualForce</a:t>
-            </a:r>
-            <a:endParaRPr lang="en-US" dirty="0"/>
-          </a:p>
-          <a:p>
-            <a:r>
-              <a:rPr lang="en-US" dirty="0"/>
-              <a:t>URLs for </a:t>
-            </a:r>
-            <a:r>
-              <a:rPr lang="en-US" dirty="0" err="1"/>
-              <a:t>pentesting</a:t>
-            </a:r>
-            <a:endParaRPr lang="en-US" dirty="0"/>
-          </a:p>
-          <a:p>
-            <a:pPr lvl="1"/>
-            <a:r>
-              <a:rPr lang="en-US" dirty="0"/>
-              <a:t>Lightning = https://</a:t>
-            </a:r>
-            <a:r>
-              <a:rPr lang="en-US" i="1" dirty="0"/>
-              <a:t>org</a:t>
-            </a:r>
-            <a:r>
-              <a:rPr lang="en-US" dirty="0"/>
-              <a:t>.develop.lightning.force.com/</a:t>
-            </a:r>
-            <a:r>
-              <a:rPr lang="en-US" b="1" dirty="0">
-                <a:highlight>
-                  <a:srgbClr val="FFFF00"/>
-                </a:highlight>
-              </a:rPr>
-              <a:t>lightning</a:t>
-            </a:r>
-            <a:r>
-              <a:rPr lang="en-US" b="1" dirty="0"/>
-              <a:t>/n</a:t>
-            </a:r>
-            <a:r>
-              <a:rPr lang="en-US" dirty="0"/>
-              <a:t>/XSS2</a:t>
-            </a:r>
-          </a:p>
-          <a:p>
-            <a:pPr lvl="1"/>
-            <a:r>
-              <a:rPr lang="en-US" dirty="0"/>
-              <a:t>Apex(Classic) = https://</a:t>
-            </a:r>
-            <a:r>
-              <a:rPr lang="en-US" i="1" dirty="0"/>
-              <a:t>org</a:t>
-            </a:r>
-            <a:r>
-              <a:rPr lang="en-US" dirty="0"/>
-              <a:t>.develop.vf.force.com/</a:t>
-            </a:r>
-            <a:r>
-              <a:rPr lang="en-US" b="1" dirty="0">
-                <a:highlight>
-                  <a:srgbClr val="FFFF00"/>
-                </a:highlight>
-              </a:rPr>
-              <a:t>apex</a:t>
-            </a:r>
-            <a:r>
-              <a:rPr lang="en-US" dirty="0"/>
-              <a:t>/XSS2</a:t>
+          <p:cNvPr id="2" name="TextBox 1">
+            <a:extLst>
+              <a:ext uri="{FF2B5EF4-FFF2-40B4-BE49-F238E27FC236}">
+                <a16:creationId xmlns:a16="http://schemas.microsoft.com/office/drawing/2014/main" id="{D88E8CF4-C224-F0A1-E946-48E394912C33}"/>
+              </a:ext>
+            </a:extLst>
+          </p:cNvPr>
+          <p:cNvSpPr txBox="1"/>
+          <p:nvPr/>
+        </p:nvSpPr>
+        <p:spPr>
+          <a:xfrm>
+            <a:off x="391886" y="322217"/>
+            <a:ext cx="11207931" cy="6008761"/>
+          </a:xfrm>
+          <a:prstGeom prst="rect">
+            <a:avLst/>
+          </a:prstGeom>
+          <a:noFill/>
+        </p:spPr>
+        <p:txBody>
+          <a:bodyPr wrap="square" rtlCol="0">
+            <a:spAutoFit/>
+          </a:bodyPr>
+          <a:lstStyle/>
+          <a:p>
+            <a:r>
+              <a:rPr lang="en-US" sz="2800" dirty="0"/>
+              <a:t>Forms of URLs:</a:t>
+            </a:r>
+          </a:p>
+          <a:p>
+            <a:endParaRPr lang="en-US" sz="2800" dirty="0"/>
+          </a:p>
+          <a:p>
+            <a:pPr marL="342900" indent="-342900">
+              <a:lnSpc>
+                <a:spcPct val="200000"/>
+              </a:lnSpc>
+              <a:buFont typeface="+mj-lt"/>
+              <a:buAutoNum type="arabicPeriod"/>
+            </a:pPr>
+            <a:r>
+              <a:rPr lang="en-US" sz="2800" dirty="0"/>
+              <a:t>Lightning Tab = /lightning/o/CustomObject__c</a:t>
+            </a:r>
+          </a:p>
+          <a:p>
+            <a:pPr marL="342900" indent="-342900">
+              <a:lnSpc>
+                <a:spcPct val="200000"/>
+              </a:lnSpc>
+              <a:buFont typeface="+mj-lt"/>
+              <a:buAutoNum type="arabicPeriod"/>
+            </a:pPr>
+            <a:r>
+              <a:rPr lang="en-US" sz="2800" dirty="0"/>
+              <a:t>Lightning Tab = /lightning/o/Contacts (built-in)</a:t>
+            </a:r>
+          </a:p>
+          <a:p>
+            <a:pPr marL="342900" indent="-342900">
+              <a:lnSpc>
+                <a:spcPct val="200000"/>
+              </a:lnSpc>
+              <a:buFont typeface="+mj-lt"/>
+              <a:buAutoNum type="arabicPeriod"/>
+            </a:pPr>
+            <a:r>
+              <a:rPr lang="en-US" sz="2800" dirty="0"/>
+              <a:t>Apex Page = /apex/GuessPageName</a:t>
+            </a:r>
+          </a:p>
+          <a:p>
+            <a:pPr marL="342900" indent="-342900">
+              <a:lnSpc>
+                <a:spcPct val="200000"/>
+              </a:lnSpc>
+              <a:buFont typeface="+mj-lt"/>
+              <a:buAutoNum type="arabicPeriod"/>
+            </a:pPr>
+            <a:r>
+              <a:rPr lang="en-US" sz="2800" dirty="0"/>
+              <a:t>Salesforce Classic Experience = /a0/l</a:t>
+            </a:r>
+          </a:p>
+          <a:p>
+            <a:pPr marL="800100" lvl="1" indent="-342900">
+              <a:lnSpc>
+                <a:spcPct val="200000"/>
+              </a:lnSpc>
+              <a:buFont typeface="+mj-lt"/>
+              <a:buAutoNum type="arabicPeriod"/>
+            </a:pPr>
+            <a:r>
+              <a:rPr lang="en-US" sz="2800" dirty="0"/>
+              <a:t>List page</a:t>
+            </a:r>
+          </a:p>
+          <a:p>
+            <a:pPr marL="800100" lvl="1" indent="-342900">
+              <a:lnSpc>
+                <a:spcPct val="200000"/>
+              </a:lnSpc>
+              <a:buFont typeface="+mj-lt"/>
+              <a:buAutoNum type="arabicPeriod"/>
+            </a:pPr>
+            <a:r>
+              <a:rPr lang="en-US" sz="2800" dirty="0"/>
+              <a:t>Easier to iterate through a0, a1, b1, aa1, etc.</a:t>
             </a:r>
           </a:p>
         </p:txBody>
@@ -7278,7 +6682,7 @@
     </p:spTree>
     <p:extLst>
       <p:ext uri="{BB962C8B-B14F-4D97-AF65-F5344CB8AC3E}">
-        <p14:creationId xmlns:p14="http://schemas.microsoft.com/office/powerpoint/2010/main" val="3008516458"/>
+        <p14:creationId xmlns:p14="http://schemas.microsoft.com/office/powerpoint/2010/main" val="2485559368"/>
       </p:ext>
     </p:extLst>
   </p:cSld>
@@ -7288,7 +6692,7 @@
 </p:sld>
 </file>
 
-<file path=ppt/slides/slide27.xml><?xml version="1.0" encoding="utf-8"?>
+<file path=ppt/slides/slide25.xml><?xml version="1.0" encoding="utf-8"?>
 <p:sld xmlns:a="http://schemas.openxmlformats.org/drawingml/2006/main" xmlns:r="http://schemas.openxmlformats.org/officeDocument/2006/relationships" xmlns:p="http://schemas.openxmlformats.org/presentationml/2006/main">
   <p:cSld>
     <p:spTree>
@@ -7307,152 +6711,6 @@
       </p:grpSpPr>
       <p:sp>
         <p:nvSpPr>
-          <p:cNvPr id="2" name="TextBox 1">
-            <a:extLst>
-              <a:ext uri="{FF2B5EF4-FFF2-40B4-BE49-F238E27FC236}">
-                <a16:creationId xmlns:a16="http://schemas.microsoft.com/office/drawing/2014/main" id="{D88E8CF4-C224-F0A1-E946-48E394912C33}"/>
-              </a:ext>
-            </a:extLst>
-          </p:cNvPr>
-          <p:cNvSpPr txBox="1"/>
-          <p:nvPr/>
-        </p:nvSpPr>
-        <p:spPr>
-          <a:xfrm>
-            <a:off x="391886" y="322217"/>
-            <a:ext cx="11207931" cy="6008761"/>
-          </a:xfrm>
-          <a:prstGeom prst="rect">
-            <a:avLst/>
-          </a:prstGeom>
-          <a:noFill/>
-        </p:spPr>
-        <p:txBody>
-          <a:bodyPr wrap="square" rtlCol="0">
-            <a:spAutoFit/>
-          </a:bodyPr>
-          <a:lstStyle/>
-          <a:p>
-            <a:r>
-              <a:rPr lang="en-US" sz="2800" dirty="0"/>
-              <a:t>Forms of URLs:</a:t>
-            </a:r>
-          </a:p>
-          <a:p>
-            <a:endParaRPr lang="en-US" sz="2800" dirty="0"/>
-          </a:p>
-          <a:p>
-            <a:pPr marL="342900" indent="-342900">
-              <a:lnSpc>
-                <a:spcPct val="200000"/>
-              </a:lnSpc>
-              <a:buFont typeface="+mj-lt"/>
-              <a:buAutoNum type="arabicPeriod"/>
-            </a:pPr>
-            <a:r>
-              <a:rPr lang="en-US" sz="2800" dirty="0"/>
-              <a:t>Lightning Tab = /lightning/o/CustomObject__c</a:t>
-            </a:r>
-          </a:p>
-          <a:p>
-            <a:pPr marL="342900" indent="-342900">
-              <a:lnSpc>
-                <a:spcPct val="200000"/>
-              </a:lnSpc>
-              <a:buFont typeface="+mj-lt"/>
-              <a:buAutoNum type="arabicPeriod"/>
-            </a:pPr>
-            <a:r>
-              <a:rPr lang="en-US" sz="2800" dirty="0"/>
-              <a:t>Lightning Tab = /lightning/o/Contacts (built-in)</a:t>
-            </a:r>
-          </a:p>
-          <a:p>
-            <a:pPr marL="342900" indent="-342900">
-              <a:lnSpc>
-                <a:spcPct val="200000"/>
-              </a:lnSpc>
-              <a:buFont typeface="+mj-lt"/>
-              <a:buAutoNum type="arabicPeriod"/>
-            </a:pPr>
-            <a:r>
-              <a:rPr lang="en-US" sz="2800" dirty="0"/>
-              <a:t>Apex Page = /apex/GuessPageName</a:t>
-            </a:r>
-          </a:p>
-          <a:p>
-            <a:pPr marL="342900" indent="-342900">
-              <a:lnSpc>
-                <a:spcPct val="200000"/>
-              </a:lnSpc>
-              <a:buFont typeface="+mj-lt"/>
-              <a:buAutoNum type="arabicPeriod"/>
-            </a:pPr>
-            <a:r>
-              <a:rPr lang="en-US" sz="2800" dirty="0"/>
-              <a:t>Salesforce Classic Experience = /a0/l</a:t>
-            </a:r>
-          </a:p>
-          <a:p>
-            <a:pPr marL="800100" lvl="1" indent="-342900">
-              <a:lnSpc>
-                <a:spcPct val="200000"/>
-              </a:lnSpc>
-              <a:buFont typeface="+mj-lt"/>
-              <a:buAutoNum type="arabicPeriod"/>
-            </a:pPr>
-            <a:r>
-              <a:rPr lang="en-US" sz="2800" dirty="0"/>
-              <a:t>List page</a:t>
-            </a:r>
-          </a:p>
-          <a:p>
-            <a:pPr marL="800100" lvl="1" indent="-342900">
-              <a:lnSpc>
-                <a:spcPct val="200000"/>
-              </a:lnSpc>
-              <a:buFont typeface="+mj-lt"/>
-              <a:buAutoNum type="arabicPeriod"/>
-            </a:pPr>
-            <a:r>
-              <a:rPr lang="en-US" sz="2800" dirty="0"/>
-              <a:t>Easier to iterate through a0, a1, b1, aa1, etc.</a:t>
-            </a:r>
-          </a:p>
-        </p:txBody>
-      </p:sp>
-    </p:spTree>
-    <p:extLst>
-      <p:ext uri="{BB962C8B-B14F-4D97-AF65-F5344CB8AC3E}">
-        <p14:creationId xmlns:p14="http://schemas.microsoft.com/office/powerpoint/2010/main" val="2485559368"/>
-      </p:ext>
-    </p:extLst>
-  </p:cSld>
-  <p:clrMapOvr>
-    <a:masterClrMapping/>
-  </p:clrMapOvr>
-</p:sld>
-</file>
-
-<file path=ppt/slides/slide28.xml><?xml version="1.0" encoding="utf-8"?>
-<p:sld xmlns:a="http://schemas.openxmlformats.org/drawingml/2006/main" xmlns:r="http://schemas.openxmlformats.org/officeDocument/2006/relationships" xmlns:p="http://schemas.openxmlformats.org/presentationml/2006/main">
-  <p:cSld>
-    <p:spTree>
-      <p:nvGrpSpPr>
-        <p:cNvPr id="1" name=""/>
-        <p:cNvGrpSpPr/>
-        <p:nvPr/>
-      </p:nvGrpSpPr>
-      <p:grpSpPr>
-        <a:xfrm>
-          <a:off x="0" y="0"/>
-          <a:ext cx="0" cy="0"/>
-          <a:chOff x="0" y="0"/>
-          <a:chExt cx="0" cy="0"/>
-        </a:xfrm>
-      </p:grpSpPr>
-      <p:sp>
-        <p:nvSpPr>
           <p:cNvPr id="2" name="Title 1">
             <a:extLst>
               <a:ext uri="{FF2B5EF4-FFF2-40B4-BE49-F238E27FC236}">
@@ -7558,7 +6816,7 @@
 </p:sld>
 </file>
 
-<file path=ppt/slides/slide29.xml><?xml version="1.0" encoding="utf-8"?>
+<file path=ppt/slides/slide26.xml><?xml version="1.0" encoding="utf-8"?>
 <p:sld xmlns:a="http://schemas.openxmlformats.org/drawingml/2006/main" xmlns:r="http://schemas.openxmlformats.org/officeDocument/2006/relationships" xmlns:p="http://schemas.openxmlformats.org/presentationml/2006/main">
   <p:cSld>
     <p:bg>
@@ -7621,188 +6879,7 @@
 </p:sld>
 </file>
 
-<file path=ppt/slides/slide3.xml><?xml version="1.0" encoding="utf-8"?>
-<p:sld xmlns:a="http://schemas.openxmlformats.org/drawingml/2006/main" xmlns:r="http://schemas.openxmlformats.org/officeDocument/2006/relationships" xmlns:p="http://schemas.openxmlformats.org/presentationml/2006/main">
-  <p:cSld>
-    <p:spTree>
-      <p:nvGrpSpPr>
-        <p:cNvPr id="1" name=""/>
-        <p:cNvGrpSpPr/>
-        <p:nvPr/>
-      </p:nvGrpSpPr>
-      <p:grpSpPr>
-        <a:xfrm>
-          <a:off x="0" y="0"/>
-          <a:ext cx="0" cy="0"/>
-          <a:chOff x="0" y="0"/>
-          <a:chExt cx="0" cy="0"/>
-        </a:xfrm>
-      </p:grpSpPr>
-      <p:sp>
-        <p:nvSpPr>
-          <p:cNvPr id="2" name="Title 1">
-            <a:extLst>
-              <a:ext uri="{FF2B5EF4-FFF2-40B4-BE49-F238E27FC236}">
-                <a16:creationId xmlns:a16="http://schemas.microsoft.com/office/drawing/2014/main" id="{05E1A111-AEF2-6350-A0AB-9706D64D3F23}"/>
-              </a:ext>
-            </a:extLst>
-          </p:cNvPr>
-          <p:cNvSpPr>
-            <a:spLocks noGrp="1"/>
-          </p:cNvSpPr>
-          <p:nvPr>
-            <p:ph type="title"/>
-          </p:nvPr>
-        </p:nvSpPr>
-        <p:spPr/>
-        <p:txBody>
-          <a:bodyPr/>
-          <a:lstStyle/>
-          <a:p>
-            <a:r>
-              <a:rPr lang="en-US" dirty="0"/>
-              <a:t>Workshop Setup</a:t>
-            </a:r>
-          </a:p>
-        </p:txBody>
-      </p:sp>
-      <p:sp>
-        <p:nvSpPr>
-          <p:cNvPr id="3" name="Content Placeholder 2">
-            <a:extLst>
-              <a:ext uri="{FF2B5EF4-FFF2-40B4-BE49-F238E27FC236}">
-                <a16:creationId xmlns:a16="http://schemas.microsoft.com/office/drawing/2014/main" id="{0560EC67-0FBE-A12D-C6A2-E68EDA72F3CB}"/>
-              </a:ext>
-            </a:extLst>
-          </p:cNvPr>
-          <p:cNvSpPr>
-            <a:spLocks noGrp="1"/>
-          </p:cNvSpPr>
-          <p:nvPr>
-            <p:ph idx="1"/>
-          </p:nvPr>
-        </p:nvSpPr>
-        <p:spPr/>
-        <p:txBody>
-          <a:bodyPr>
-            <a:normAutofit/>
-          </a:bodyPr>
-          <a:lstStyle/>
-          <a:p>
-            <a:r>
-              <a:rPr lang="en-US" dirty="0"/>
-              <a:t>Connect to the special </a:t>
-            </a:r>
-            <a:r>
-              <a:rPr lang="en-US" dirty="0" err="1"/>
-              <a:t>Wifi</a:t>
-            </a:r>
-            <a:endParaRPr lang="en-US" dirty="0"/>
-          </a:p>
-          <a:p>
-            <a:pPr lvl="1"/>
-            <a:r>
-              <a:rPr lang="en-US" dirty="0">
-                <a:highlight>
-                  <a:srgbClr val="FFFF00"/>
-                </a:highlight>
-              </a:rPr>
-              <a:t>Workshop</a:t>
-            </a:r>
-            <a:r>
-              <a:rPr lang="en-US" dirty="0"/>
-              <a:t> / </a:t>
-            </a:r>
-            <a:r>
-              <a:rPr lang="en-US" dirty="0" err="1">
-                <a:highlight>
-                  <a:srgbClr val="FFFF00"/>
-                </a:highlight>
-              </a:rPr>
-              <a:t>hacktheplanet</a:t>
-            </a:r>
-            <a:endParaRPr lang="en-US" dirty="0"/>
-          </a:p>
-          <a:p>
-            <a:r>
-              <a:rPr lang="en-US" sz="3200" dirty="0"/>
-              <a:t>https://</a:t>
-            </a:r>
-            <a:r>
-              <a:rPr lang="en-US" sz="3200" dirty="0">
-                <a:highlight>
-                  <a:srgbClr val="FFFF00"/>
-                </a:highlight>
-              </a:rPr>
-              <a:t>203.0.113.1</a:t>
-            </a:r>
-          </a:p>
-          <a:p>
-            <a:r>
-              <a:rPr lang="en-US" dirty="0"/>
-              <a:t>Content</a:t>
-            </a:r>
-          </a:p>
-          <a:p>
-            <a:pPr lvl="1"/>
-            <a:r>
-              <a:rPr lang="en-US" dirty="0"/>
-              <a:t>Software downloads if Internet is down/slow</a:t>
-            </a:r>
-          </a:p>
-          <a:p>
-            <a:pPr lvl="1"/>
-            <a:r>
-              <a:rPr lang="en-US" dirty="0" err="1"/>
-              <a:t>Copy+paste</a:t>
-            </a:r>
-            <a:r>
-              <a:rPr lang="en-US" dirty="0"/>
-              <a:t> friendly commands</a:t>
-            </a:r>
-          </a:p>
-          <a:p>
-            <a:pPr lvl="2"/>
-            <a:r>
-              <a:rPr lang="en-US" dirty="0"/>
-              <a:t>CAZT-gcloud_lab-command-line_linux.txt</a:t>
-            </a:r>
-          </a:p>
-          <a:p>
-            <a:pPr lvl="2"/>
-            <a:r>
-              <a:rPr lang="en-US" dirty="0"/>
-              <a:t>OpenStack_lab-command-line_linux.txt</a:t>
-            </a:r>
-          </a:p>
-          <a:p>
-            <a:pPr lvl="1"/>
-            <a:r>
-              <a:rPr lang="en-US" dirty="0"/>
-              <a:t>Also found in source repository documentation/</a:t>
-            </a:r>
-            <a:r>
-              <a:rPr lang="en-US" dirty="0" err="1"/>
-              <a:t>client_setup</a:t>
-            </a:r>
-            <a:endParaRPr lang="en-US" dirty="0"/>
-          </a:p>
-        </p:txBody>
-      </p:sp>
-    </p:spTree>
-    <p:extLst>
-      <p:ext uri="{BB962C8B-B14F-4D97-AF65-F5344CB8AC3E}">
-        <p14:creationId xmlns:p14="http://schemas.microsoft.com/office/powerpoint/2010/main" val="2543614124"/>
-      </p:ext>
-    </p:extLst>
-  </p:cSld>
-  <p:clrMapOvr>
-    <a:masterClrMapping/>
-  </p:clrMapOvr>
-</p:sld>
-</file>
-
-<file path=ppt/slides/slide30.xml><?xml version="1.0" encoding="utf-8"?>
+<file path=ppt/slides/slide27.xml><?xml version="1.0" encoding="utf-8"?>
 <p:sld xmlns:a="http://schemas.openxmlformats.org/drawingml/2006/main" xmlns:r="http://schemas.openxmlformats.org/officeDocument/2006/relationships" xmlns:p="http://schemas.openxmlformats.org/presentationml/2006/main">
   <p:cSld>
     <p:spTree>
@@ -7903,7 +6980,7 @@
 </p:sld>
 </file>
 
-<file path=ppt/slides/slide31.xml><?xml version="1.0" encoding="utf-8"?>
+<file path=ppt/slides/slide28.xml><?xml version="1.0" encoding="utf-8"?>
 <p:sld xmlns:a="http://schemas.openxmlformats.org/drawingml/2006/main" xmlns:r="http://schemas.openxmlformats.org/officeDocument/2006/relationships" xmlns:p="http://schemas.openxmlformats.org/presentationml/2006/main">
   <p:cSld>
     <p:spTree>
@@ -8334,6 +7411,188 @@
         </p:spPr>
       </p:pic>
     </p:spTree>
+  </p:cSld>
+  <p:clrMapOvr>
+    <a:masterClrMapping/>
+  </p:clrMapOvr>
+</p:sld>
+</file>
+
+<file path=ppt/slides/slide3.xml><?xml version="1.0" encoding="utf-8"?>
+<p:sld xmlns:a="http://schemas.openxmlformats.org/drawingml/2006/main" xmlns:r="http://schemas.openxmlformats.org/officeDocument/2006/relationships" xmlns:p="http://schemas.openxmlformats.org/presentationml/2006/main">
+  <p:cSld>
+    <p:spTree>
+      <p:nvGrpSpPr>
+        <p:cNvPr id="1" name=""/>
+        <p:cNvGrpSpPr/>
+        <p:nvPr/>
+      </p:nvGrpSpPr>
+      <p:grpSpPr>
+        <a:xfrm>
+          <a:off x="0" y="0"/>
+          <a:ext cx="0" cy="0"/>
+          <a:chOff x="0" y="0"/>
+          <a:chExt cx="0" cy="0"/>
+        </a:xfrm>
+      </p:grpSpPr>
+      <p:sp>
+        <p:nvSpPr>
+          <p:cNvPr id="2" name="Title 1">
+            <a:extLst>
+              <a:ext uri="{FF2B5EF4-FFF2-40B4-BE49-F238E27FC236}">
+                <a16:creationId xmlns:a16="http://schemas.microsoft.com/office/drawing/2014/main" id="{05E1A111-AEF2-6350-A0AB-9706D64D3F23}"/>
+              </a:ext>
+            </a:extLst>
+          </p:cNvPr>
+          <p:cNvSpPr>
+            <a:spLocks noGrp="1"/>
+          </p:cNvSpPr>
+          <p:nvPr>
+            <p:ph type="title"/>
+          </p:nvPr>
+        </p:nvSpPr>
+        <p:spPr/>
+        <p:txBody>
+          <a:bodyPr/>
+          <a:lstStyle/>
+          <a:p>
+            <a:r>
+              <a:rPr lang="en-US" dirty="0"/>
+              <a:t>Workshop Setup</a:t>
+            </a:r>
+          </a:p>
+        </p:txBody>
+      </p:sp>
+      <p:sp>
+        <p:nvSpPr>
+          <p:cNvPr id="3" name="Content Placeholder 2">
+            <a:extLst>
+              <a:ext uri="{FF2B5EF4-FFF2-40B4-BE49-F238E27FC236}">
+                <a16:creationId xmlns:a16="http://schemas.microsoft.com/office/drawing/2014/main" id="{0560EC67-0FBE-A12D-C6A2-E68EDA72F3CB}"/>
+              </a:ext>
+            </a:extLst>
+          </p:cNvPr>
+          <p:cNvSpPr>
+            <a:spLocks noGrp="1"/>
+          </p:cNvSpPr>
+          <p:nvPr>
+            <p:ph idx="1"/>
+          </p:nvPr>
+        </p:nvSpPr>
+        <p:spPr/>
+        <p:txBody>
+          <a:bodyPr>
+            <a:normAutofit/>
+          </a:bodyPr>
+          <a:lstStyle/>
+          <a:p>
+            <a:r>
+              <a:rPr lang="en-US" dirty="0"/>
+              <a:t>Connect to the special Wi-Fi</a:t>
+            </a:r>
+          </a:p>
+          <a:p>
+            <a:pPr lvl="1"/>
+            <a:r>
+              <a:rPr lang="en-US" dirty="0">
+                <a:highlight>
+                  <a:srgbClr val="FFFF00"/>
+                </a:highlight>
+              </a:rPr>
+              <a:t>Workshop</a:t>
+            </a:r>
+            <a:r>
+              <a:rPr lang="en-US" dirty="0"/>
+              <a:t> / </a:t>
+            </a:r>
+            <a:r>
+              <a:rPr lang="en-US" dirty="0" err="1">
+                <a:highlight>
+                  <a:srgbClr val="FFFF00"/>
+                </a:highlight>
+              </a:rPr>
+              <a:t>hacktheplanet</a:t>
+            </a:r>
+            <a:endParaRPr lang="en-US" dirty="0"/>
+          </a:p>
+          <a:p>
+            <a:r>
+              <a:rPr lang="en-US" sz="3200" dirty="0"/>
+              <a:t>https://</a:t>
+            </a:r>
+            <a:r>
+              <a:rPr lang="en-US" sz="3200" dirty="0">
+                <a:highlight>
+                  <a:srgbClr val="FFFF00"/>
+                </a:highlight>
+              </a:rPr>
+              <a:t>203.0.113.1</a:t>
+            </a:r>
+          </a:p>
+          <a:p>
+            <a:r>
+              <a:rPr lang="en-US" dirty="0"/>
+              <a:t>Content</a:t>
+            </a:r>
+          </a:p>
+          <a:p>
+            <a:pPr lvl="1"/>
+            <a:r>
+              <a:rPr lang="en-US" dirty="0"/>
+              <a:t>Software downloads if Internet is down/slow</a:t>
+            </a:r>
+          </a:p>
+          <a:p>
+            <a:pPr lvl="1"/>
+            <a:r>
+              <a:rPr lang="en-US" dirty="0" err="1"/>
+              <a:t>Copy+paste</a:t>
+            </a:r>
+            <a:r>
+              <a:rPr lang="en-US" dirty="0"/>
+              <a:t> friendly commands</a:t>
+            </a:r>
+          </a:p>
+          <a:p>
+            <a:pPr lvl="2"/>
+            <a:r>
+              <a:rPr lang="en-US" dirty="0"/>
+              <a:t>CAZT-gcloud_lab-command-line_linux.txt</a:t>
+            </a:r>
+          </a:p>
+          <a:p>
+            <a:pPr lvl="2"/>
+            <a:r>
+              <a:rPr lang="en-US" dirty="0"/>
+              <a:t>OpenStack_lab-command-line_linux.txt</a:t>
+            </a:r>
+          </a:p>
+          <a:p>
+            <a:pPr lvl="1"/>
+            <a:r>
+              <a:rPr lang="en-US" dirty="0"/>
+              <a:t>Also found in source repository documentation/</a:t>
+            </a:r>
+            <a:r>
+              <a:rPr lang="en-US" dirty="0" err="1"/>
+              <a:t>client_setup</a:t>
+            </a:r>
+            <a:endParaRPr lang="en-US" dirty="0"/>
+          </a:p>
+          <a:p>
+            <a:r>
+              <a:rPr lang="en-US" dirty="0"/>
+              <a:t>https://github.com/rbeede/pen-testing-cloud-apis/</a:t>
+            </a:r>
+          </a:p>
+        </p:txBody>
+      </p:sp>
+    </p:spTree>
+    <p:extLst>
+      <p:ext uri="{BB962C8B-B14F-4D97-AF65-F5344CB8AC3E}">
+        <p14:creationId xmlns:p14="http://schemas.microsoft.com/office/powerpoint/2010/main" val="2543614124"/>
+      </p:ext>
+    </p:extLst>
   </p:cSld>
   <p:clrMapOvr>
     <a:masterClrMapping/>
@@ -8856,7 +8115,7 @@
             <a:spLocks noGrp="1"/>
           </p:cNvSpPr>
           <p:nvPr>
-            <p:ph/>
+            <p:ph idx="1"/>
           </p:nvPr>
         </p:nvSpPr>
         <p:spPr>
@@ -8867,7 +8126,7 @@
         </p:spPr>
         <p:txBody>
           <a:bodyPr vert="horz" lIns="0" tIns="121920" rIns="0" bIns="121920" rtlCol="0" anchor="t">
-            <a:normAutofit fontScale="98500"/>
+            <a:normAutofit/>
           </a:bodyPr>
           <a:lstStyle/>
           <a:p>

--- a/workshop_event/Pen-Testing Cloud REST APIs - 2025.pptx
+++ b/workshop_event/Pen-Testing Cloud REST APIs - 2025.pptx
@@ -4635,23 +4635,46 @@
           </a:bodyPr>
           <a:lstStyle/>
           <a:p>
-            <a:r>
-              <a:rPr lang="en-US" dirty="0"/>
-              <a:t>documentation/</a:t>
-            </a:r>
-            <a:r>
-              <a:rPr lang="en-US" dirty="0" err="1"/>
-              <a:t>client_setup</a:t>
-            </a:r>
-            <a:endParaRPr lang="en-US" dirty="0"/>
-          </a:p>
-          <a:p>
-            <a:pPr marL="571500" indent="-571500">
+            <a:pPr marL="685800" indent="-457200">
               <a:buFont typeface="Arial" panose="020B0604020202020204" pitchFamily="34" charset="0"/>
               <a:buChar char="•"/>
             </a:pPr>
             <a:r>
-              <a:rPr lang="en-US" dirty="0"/>
+              <a:rPr lang="en-US" sz="4400" dirty="0"/>
+              <a:t>documentation/</a:t>
+            </a:r>
+            <a:r>
+              <a:rPr lang="en-US" sz="4400" dirty="0" err="1"/>
+              <a:t>server_setup</a:t>
+            </a:r>
+            <a:endParaRPr lang="en-US" sz="4400" dirty="0"/>
+          </a:p>
+          <a:p>
+            <a:pPr marL="1143000" lvl="1" indent="-457200"/>
+            <a:r>
+              <a:rPr lang="en-US" sz="4400" dirty="0"/>
+              <a:t>OpenStack_Swift_server_setup.md</a:t>
+            </a:r>
+          </a:p>
+          <a:p>
+            <a:pPr marL="685800" indent="-457200">
+              <a:buFont typeface="Arial" panose="020B0604020202020204" pitchFamily="34" charset="0"/>
+              <a:buChar char="•"/>
+            </a:pPr>
+            <a:r>
+              <a:rPr lang="en-US" sz="4400" dirty="0"/>
+              <a:t>documentation/</a:t>
+            </a:r>
+            <a:r>
+              <a:rPr lang="en-US" sz="4400" dirty="0" err="1"/>
+              <a:t>client_setup</a:t>
+            </a:r>
+            <a:endParaRPr lang="en-US" sz="4400" dirty="0"/>
+          </a:p>
+          <a:p>
+            <a:pPr marL="1143000" lvl="1" indent="-457200"/>
+            <a:r>
+              <a:rPr lang="en-US" sz="4400" dirty="0"/>
               <a:t>OpenStack_lab-command-line_linux.md</a:t>
             </a:r>
           </a:p>

--- a/workshop_event/Pen-Testing Cloud REST APIs - 2025.pptx
+++ b/workshop_event/Pen-Testing Cloud REST APIs - 2025.pptx
@@ -224,7 +224,7 @@
           <a:p>
             <a:fld id="{B2537219-CD8D-4BE3-A4DF-4D632A31A097}" type="datetimeFigureOut">
               <a:rPr lang="en-US" smtClean="0"/>
-              <a:t>6/28/2025</a:t>
+              <a:t>6/29/2025</a:t>
             </a:fld>
             <a:endParaRPr lang="en-US"/>
           </a:p>
@@ -736,7 +736,7 @@
           <a:p>
             <a:fld id="{C2270EAA-1E86-45EE-8317-11D72D8937B4}" type="datetimeFigureOut">
               <a:rPr lang="en-US" smtClean="0"/>
-              <a:t>6/28/2025</a:t>
+              <a:t>6/29/2025</a:t>
             </a:fld>
             <a:endParaRPr lang="en-US"/>
           </a:p>
@@ -934,7 +934,7 @@
           <a:p>
             <a:fld id="{C2270EAA-1E86-45EE-8317-11D72D8937B4}" type="datetimeFigureOut">
               <a:rPr lang="en-US" smtClean="0"/>
-              <a:t>6/28/2025</a:t>
+              <a:t>6/29/2025</a:t>
             </a:fld>
             <a:endParaRPr lang="en-US"/>
           </a:p>
@@ -1142,7 +1142,7 @@
           <a:p>
             <a:fld id="{C2270EAA-1E86-45EE-8317-11D72D8937B4}" type="datetimeFigureOut">
               <a:rPr lang="en-US" smtClean="0"/>
-              <a:t>6/28/2025</a:t>
+              <a:t>6/29/2025</a:t>
             </a:fld>
             <a:endParaRPr lang="en-US"/>
           </a:p>
@@ -1492,7 +1492,7 @@
           <a:p>
             <a:fld id="{C2270EAA-1E86-45EE-8317-11D72D8937B4}" type="datetimeFigureOut">
               <a:rPr lang="en-US" smtClean="0"/>
-              <a:t>6/28/2025</a:t>
+              <a:t>6/29/2025</a:t>
             </a:fld>
             <a:endParaRPr lang="en-US"/>
           </a:p>
@@ -1767,7 +1767,7 @@
           <a:p>
             <a:fld id="{C2270EAA-1E86-45EE-8317-11D72D8937B4}" type="datetimeFigureOut">
               <a:rPr lang="en-US" smtClean="0"/>
-              <a:t>6/28/2025</a:t>
+              <a:t>6/29/2025</a:t>
             </a:fld>
             <a:endParaRPr lang="en-US"/>
           </a:p>
@@ -2032,7 +2032,7 @@
           <a:p>
             <a:fld id="{C2270EAA-1E86-45EE-8317-11D72D8937B4}" type="datetimeFigureOut">
               <a:rPr lang="en-US" smtClean="0"/>
-              <a:t>6/28/2025</a:t>
+              <a:t>6/29/2025</a:t>
             </a:fld>
             <a:endParaRPr lang="en-US"/>
           </a:p>
@@ -2444,7 +2444,7 @@
           <a:p>
             <a:fld id="{C2270EAA-1E86-45EE-8317-11D72D8937B4}" type="datetimeFigureOut">
               <a:rPr lang="en-US" smtClean="0"/>
-              <a:t>6/28/2025</a:t>
+              <a:t>6/29/2025</a:t>
             </a:fld>
             <a:endParaRPr lang="en-US"/>
           </a:p>
@@ -2585,7 +2585,7 @@
           <a:p>
             <a:fld id="{C2270EAA-1E86-45EE-8317-11D72D8937B4}" type="datetimeFigureOut">
               <a:rPr lang="en-US" smtClean="0"/>
-              <a:t>6/28/2025</a:t>
+              <a:t>6/29/2025</a:t>
             </a:fld>
             <a:endParaRPr lang="en-US"/>
           </a:p>
@@ -2698,7 +2698,7 @@
           <a:p>
             <a:fld id="{C2270EAA-1E86-45EE-8317-11D72D8937B4}" type="datetimeFigureOut">
               <a:rPr lang="en-US" smtClean="0"/>
-              <a:t>6/28/2025</a:t>
+              <a:t>6/29/2025</a:t>
             </a:fld>
             <a:endParaRPr lang="en-US"/>
           </a:p>
@@ -3009,7 +3009,7 @@
           <a:p>
             <a:fld id="{C2270EAA-1E86-45EE-8317-11D72D8937B4}" type="datetimeFigureOut">
               <a:rPr lang="en-US" smtClean="0"/>
-              <a:t>6/28/2025</a:t>
+              <a:t>6/29/2025</a:t>
             </a:fld>
             <a:endParaRPr lang="en-US"/>
           </a:p>
@@ -3297,7 +3297,7 @@
           <a:p>
             <a:fld id="{C2270EAA-1E86-45EE-8317-11D72D8937B4}" type="datetimeFigureOut">
               <a:rPr lang="en-US" smtClean="0"/>
-              <a:t>6/28/2025</a:t>
+              <a:t>6/29/2025</a:t>
             </a:fld>
             <a:endParaRPr lang="en-US"/>
           </a:p>
@@ -3538,7 +3538,7 @@
           <a:p>
             <a:fld id="{C2270EAA-1E86-45EE-8317-11D72D8937B4}" type="datetimeFigureOut">
               <a:rPr lang="en-US" smtClean="0"/>
-              <a:t>6/28/2025</a:t>
+              <a:t>6/29/2025</a:t>
             </a:fld>
             <a:endParaRPr lang="en-US"/>
           </a:p>
@@ -7744,7 +7744,7 @@
                 </a:solidFill>
                 <a:latin typeface="Arial"/>
               </a:rPr>
-              <a:t>ssh client@</a:t>
+              <a:t>ssh workshop@</a:t>
             </a:r>
             <a:r>
               <a:rPr lang="en-US" sz="3200" spc="-1" dirty="0">
@@ -7778,16 +7778,16 @@
                 </a:solidFill>
                 <a:latin typeface="Arial"/>
               </a:rPr>
-              <a:t>Password: </a:t>
-            </a:r>
-            <a:r>
-              <a:rPr lang="en-US" sz="3200" spc="-1" dirty="0" err="1">
+              <a:t>Password</a:t>
+            </a:r>
+            <a:r>
+              <a:rPr lang="en-US" sz="3200" spc="-1">
                 <a:solidFill>
                   <a:schemeClr val="dk2"/>
                 </a:solidFill>
                 <a:latin typeface="Arial"/>
               </a:rPr>
-              <a:t>hopeitworks</a:t>
+              <a:t>: password</a:t>
             </a:r>
             <a:endParaRPr lang="en-US" sz="3200" spc="-1" dirty="0">
               <a:solidFill>
